--- a/01-Axios-js/axios.pptx
+++ b/01-Axios-js/axios.pptx
@@ -9,10 +9,9 @@
     <p:sldId id="257" r:id="rId3"/>
     <p:sldId id="258" r:id="rId4"/>
     <p:sldId id="259" r:id="rId5"/>
-    <p:sldId id="261" r:id="rId6"/>
-    <p:sldId id="260" r:id="rId7"/>
-    <p:sldId id="262" r:id="rId8"/>
-    <p:sldId id="263" r:id="rId9"/>
+    <p:sldId id="260" r:id="rId6"/>
+    <p:sldId id="262" r:id="rId7"/>
+    <p:sldId id="263" r:id="rId8"/>
   </p:sldIdLst>
   <p:sldSz cx="12192000" cy="6858000"/>
   <p:notesSz cx="6858000" cy="9144000"/>
@@ -5089,7 +5088,7 @@
           <p:cNvPr id="2" name="Title 1">
             <a:extLst>
               <a:ext uri="{FF2B5EF4-FFF2-40B4-BE49-F238E27FC236}">
-                <a16:creationId xmlns:a16="http://schemas.microsoft.com/office/drawing/2014/main" id="{A29D8B0F-B29A-ECE6-D713-3E1691284776}"/>
+                <a16:creationId xmlns:a16="http://schemas.microsoft.com/office/drawing/2014/main" id="{9437BB12-7C34-F2D2-C745-E4BBFE2DF8DC}"/>
               </a:ext>
             </a:extLst>
           </p:cNvPr>
@@ -5107,7 +5106,46 @@
           <a:p>
             <a:r>
               <a:rPr lang="es-MX" dirty="0"/>
-              <a:t>Estructura básica Axios (GET)</a:t>
+              <a:t>Petición GET con Axios</a:t>
+            </a:r>
+            <a:endParaRPr lang="es-CO" dirty="0"/>
+          </a:p>
+        </p:txBody>
+      </p:sp>
+      <p:sp>
+        <p:nvSpPr>
+          <p:cNvPr id="3" name="Content Placeholder 2">
+            <a:extLst>
+              <a:ext uri="{FF2B5EF4-FFF2-40B4-BE49-F238E27FC236}">
+                <a16:creationId xmlns:a16="http://schemas.microsoft.com/office/drawing/2014/main" id="{CF90E7C1-D4F5-4073-9681-5B0C8175C471}"/>
+              </a:ext>
+            </a:extLst>
+          </p:cNvPr>
+          <p:cNvSpPr>
+            <a:spLocks noGrp="1"/>
+          </p:cNvSpPr>
+          <p:nvPr>
+            <p:ph idx="1"/>
+          </p:nvPr>
+        </p:nvSpPr>
+        <p:spPr/>
+        <p:txBody>
+          <a:bodyPr/>
+          <a:lstStyle/>
+          <a:p>
+            <a:r>
+              <a:rPr lang="es-MX" dirty="0"/>
+              <a:t>Utilizamos la API de </a:t>
+            </a:r>
+            <a:r>
+              <a:rPr lang="es-MX" dirty="0">
+                <a:hlinkClick r:id="rId2"/>
+              </a:rPr>
+              <a:t>The Cat API</a:t>
+            </a:r>
+            <a:r>
+              <a:rPr lang="es-MX" dirty="0"/>
+              <a:t> para obtener un resultado con el método GET.</a:t>
             </a:r>
             <a:endParaRPr lang="es-CO" dirty="0"/>
           </a:p>
@@ -5118,7 +5156,7 @@
           <p:cNvPr id="6" name="Picture 5">
             <a:extLst>
               <a:ext uri="{FF2B5EF4-FFF2-40B4-BE49-F238E27FC236}">
-                <a16:creationId xmlns:a16="http://schemas.microsoft.com/office/drawing/2014/main" id="{54952B35-09B4-8851-D761-C614BC19B5AC}"/>
+                <a16:creationId xmlns:a16="http://schemas.microsoft.com/office/drawing/2014/main" id="{DB60C9D4-633B-05C9-223A-AA8E97DC385E}"/>
               </a:ext>
             </a:extLst>
           </p:cNvPr>
@@ -5128,142 +5166,15 @@
           <p:nvPr/>
         </p:nvPicPr>
         <p:blipFill>
-          <a:blip r:embed="rId2"/>
+          <a:blip r:embed="rId3"/>
           <a:stretch>
             <a:fillRect/>
           </a:stretch>
         </p:blipFill>
         <p:spPr>
           <a:xfrm>
-            <a:off x="2140002" y="2221089"/>
-            <a:ext cx="7911995" cy="3206045"/>
-          </a:xfrm>
-          <a:prstGeom prst="rect">
-            <a:avLst/>
-          </a:prstGeom>
-        </p:spPr>
-      </p:pic>
-    </p:spTree>
-    <p:extLst>
-      <p:ext uri="{BB962C8B-B14F-4D97-AF65-F5344CB8AC3E}">
-        <p14:creationId xmlns:p14="http://schemas.microsoft.com/office/powerpoint/2010/main" val="2084685273"/>
-      </p:ext>
-    </p:extLst>
-  </p:cSld>
-  <p:clrMapOvr>
-    <a:masterClrMapping/>
-  </p:clrMapOvr>
-</p:sld>
-</file>
-
-<file path=ppt/slides/slide6.xml><?xml version="1.0" encoding="utf-8"?>
-<p:sld xmlns:a="http://schemas.openxmlformats.org/drawingml/2006/main" xmlns:r="http://schemas.openxmlformats.org/officeDocument/2006/relationships" xmlns:p="http://schemas.openxmlformats.org/presentationml/2006/main">
-  <p:cSld>
-    <p:spTree>
-      <p:nvGrpSpPr>
-        <p:cNvPr id="1" name=""/>
-        <p:cNvGrpSpPr/>
-        <p:nvPr/>
-      </p:nvGrpSpPr>
-      <p:grpSpPr>
-        <a:xfrm>
-          <a:off x="0" y="0"/>
-          <a:ext cx="0" cy="0"/>
-          <a:chOff x="0" y="0"/>
-          <a:chExt cx="0" cy="0"/>
-        </a:xfrm>
-      </p:grpSpPr>
-      <p:sp>
-        <p:nvSpPr>
-          <p:cNvPr id="2" name="Title 1">
-            <a:extLst>
-              <a:ext uri="{FF2B5EF4-FFF2-40B4-BE49-F238E27FC236}">
-                <a16:creationId xmlns:a16="http://schemas.microsoft.com/office/drawing/2014/main" id="{9437BB12-7C34-F2D2-C745-E4BBFE2DF8DC}"/>
-              </a:ext>
-            </a:extLst>
-          </p:cNvPr>
-          <p:cNvSpPr>
-            <a:spLocks noGrp="1"/>
-          </p:cNvSpPr>
-          <p:nvPr>
-            <p:ph type="title"/>
-          </p:nvPr>
-        </p:nvSpPr>
-        <p:spPr/>
-        <p:txBody>
-          <a:bodyPr/>
-          <a:lstStyle/>
-          <a:p>
-            <a:r>
-              <a:rPr lang="es-MX" dirty="0"/>
-              <a:t>Petición GET con Axios</a:t>
-            </a:r>
-            <a:endParaRPr lang="es-CO" dirty="0"/>
-          </a:p>
-        </p:txBody>
-      </p:sp>
-      <p:sp>
-        <p:nvSpPr>
-          <p:cNvPr id="3" name="Content Placeholder 2">
-            <a:extLst>
-              <a:ext uri="{FF2B5EF4-FFF2-40B4-BE49-F238E27FC236}">
-                <a16:creationId xmlns:a16="http://schemas.microsoft.com/office/drawing/2014/main" id="{CF90E7C1-D4F5-4073-9681-5B0C8175C471}"/>
-              </a:ext>
-            </a:extLst>
-          </p:cNvPr>
-          <p:cNvSpPr>
-            <a:spLocks noGrp="1"/>
-          </p:cNvSpPr>
-          <p:nvPr>
-            <p:ph idx="1"/>
-          </p:nvPr>
-        </p:nvSpPr>
-        <p:spPr/>
-        <p:txBody>
-          <a:bodyPr/>
-          <a:lstStyle/>
-          <a:p>
-            <a:r>
-              <a:rPr lang="es-MX" dirty="0"/>
-              <a:t>Utilizamos la API de </a:t>
-            </a:r>
-            <a:r>
-              <a:rPr lang="es-MX" dirty="0">
-                <a:hlinkClick r:id="rId2"/>
-              </a:rPr>
-              <a:t>The Cat API</a:t>
-            </a:r>
-            <a:r>
-              <a:rPr lang="es-MX" dirty="0"/>
-              <a:t> para obtener un resultado con el método GET.</a:t>
-            </a:r>
-            <a:endParaRPr lang="es-CO" dirty="0"/>
-          </a:p>
-        </p:txBody>
-      </p:sp>
-      <p:pic>
-        <p:nvPicPr>
-          <p:cNvPr id="5" name="Picture 4">
-            <a:extLst>
-              <a:ext uri="{FF2B5EF4-FFF2-40B4-BE49-F238E27FC236}">
-                <a16:creationId xmlns:a16="http://schemas.microsoft.com/office/drawing/2014/main" id="{08C4E8EC-4AD5-C488-036B-BD5859035FB1}"/>
-              </a:ext>
-            </a:extLst>
-          </p:cNvPr>
-          <p:cNvPicPr>
-            <a:picLocks noChangeAspect="1"/>
-          </p:cNvPicPr>
-          <p:nvPr/>
-        </p:nvPicPr>
-        <p:blipFill rotWithShape="1">
-          <a:blip r:embed="rId3"/>
-          <a:srcRect l="2636" t="21777" r="9564" b="10244"/>
-          <a:stretch/>
-        </p:blipFill>
-        <p:spPr>
-          <a:xfrm>
-            <a:off x="1774871" y="2917560"/>
-            <a:ext cx="8800301" cy="2777068"/>
+            <a:off x="2253982" y="2788356"/>
+            <a:ext cx="7684035" cy="3523544"/>
           </a:xfrm>
           <a:prstGeom prst="rect">
             <a:avLst/>
@@ -5283,7 +5194,7 @@
 </p:sld>
 </file>
 
-<file path=ppt/slides/slide7.xml><?xml version="1.0" encoding="utf-8"?>
+<file path=ppt/slides/slide6.xml><?xml version="1.0" encoding="utf-8"?>
 <p:sld xmlns:a="http://schemas.openxmlformats.org/drawingml/2006/main" xmlns:r="http://schemas.openxmlformats.org/officeDocument/2006/relationships" xmlns:p="http://schemas.openxmlformats.org/presentationml/2006/main">
   <p:cSld>
     <p:spTree>
@@ -5401,7 +5312,7 @@
 </p:sld>
 </file>
 
-<file path=ppt/slides/slide8.xml><?xml version="1.0" encoding="utf-8"?>
+<file path=ppt/slides/slide7.xml><?xml version="1.0" encoding="utf-8"?>
 <p:sld xmlns:a="http://schemas.openxmlformats.org/drawingml/2006/main" xmlns:r="http://schemas.openxmlformats.org/officeDocument/2006/relationships" xmlns:p="http://schemas.openxmlformats.org/presentationml/2006/main">
   <p:cSld>
     <p:spTree>
